--- a/Project Documents/Update_02.pptx
+++ b/Project Documents/Update_02.pptx
@@ -21159,6 +21159,14 @@
 <file path=ppt/slides/slide10.xml><?xml version="1.0" encoding="utf-8"?>
 <p:sld xmlns:a="http://schemas.openxmlformats.org/drawingml/2006/main" xmlns:r="http://schemas.openxmlformats.org/officeDocument/2006/relationships" xmlns:p="http://schemas.openxmlformats.org/presentationml/2006/main">
   <p:cSld>
+    <p:bg>
+      <p:bgPr>
+        <a:solidFill>
+          <a:schemeClr val="bg1"/>
+        </a:solidFill>
+        <a:effectLst/>
+      </p:bgPr>
+    </p:bg>
     <p:spTree>
       <p:nvGrpSpPr>
         <p:cNvPr id="1" name="Shape 104"/>
@@ -21175,6 +21183,231 @@
       </p:grpSpPr>
       <p:sp>
         <p:nvSpPr>
+          <p:cNvPr id="143" name="Rectangle 142">
+            <a:extLst>
+              <a:ext uri="{FF2B5EF4-FFF2-40B4-BE49-F238E27FC236}">
+                <a16:creationId xmlns:a16="http://schemas.microsoft.com/office/drawing/2014/main" id="{4E4490D0-3672-446A-AC12-B4830333BDDD}"/>
+              </a:ext>
+              <a:ext uri="{C183D7F6-B498-43B3-948B-1728B52AA6E4}">
+                <adec:decorative xmlns:adec="http://schemas.microsoft.com/office/drawing/2017/decorative" val="1"/>
+              </a:ext>
+            </a:extLst>
+          </p:cNvPr>
+          <p:cNvSpPr>
+            <a:spLocks noGrp="1" noRot="1" noChangeAspect="1" noMove="1" noResize="1" noEditPoints="1" noAdjustHandles="1" noChangeArrowheads="1" noChangeShapeType="1" noTextEdit="1"/>
+          </p:cNvSpPr>
+          <p:nvPr>
+            <p:extLst>
+              <p:ext uri="{386F3935-93C4-4BCD-93E2-E3B085C9AB24}">
+                <p16:designElem xmlns:p16="http://schemas.microsoft.com/office/powerpoint/2015/main" val="1"/>
+              </p:ext>
+            </p:extLst>
+          </p:nvPr>
+        </p:nvSpPr>
+        <p:spPr>
+          <a:xfrm>
+            <a:off x="2381" y="4800600"/>
+            <a:ext cx="9141619" cy="342900"/>
+          </a:xfrm>
+          <a:prstGeom prst="rect">
+            <a:avLst/>
+          </a:prstGeom>
+          <a:solidFill>
+            <a:schemeClr val="accent2"/>
+          </a:solidFill>
+          <a:ln>
+            <a:noFill/>
+          </a:ln>
+        </p:spPr>
+        <p:style>
+          <a:lnRef idx="2">
+            <a:schemeClr val="accent1">
+              <a:shade val="50000"/>
+            </a:schemeClr>
+          </a:lnRef>
+          <a:fillRef idx="1">
+            <a:schemeClr val="accent1"/>
+          </a:fillRef>
+          <a:effectRef idx="0">
+            <a:schemeClr val="accent1"/>
+          </a:effectRef>
+          <a:fontRef idx="minor">
+            <a:schemeClr val="lt1"/>
+          </a:fontRef>
+        </p:style>
+      </p:sp>
+      <p:sp>
+        <p:nvSpPr>
+          <p:cNvPr id="145" name="Rectangle 144">
+            <a:extLst>
+              <a:ext uri="{FF2B5EF4-FFF2-40B4-BE49-F238E27FC236}">
+                <a16:creationId xmlns:a16="http://schemas.microsoft.com/office/drawing/2014/main" id="{39CB82C2-DF65-4EC1-8280-F201D50F570B}"/>
+              </a:ext>
+              <a:ext uri="{C183D7F6-B498-43B3-948B-1728B52AA6E4}">
+                <adec:decorative xmlns:adec="http://schemas.microsoft.com/office/drawing/2017/decorative" val="1"/>
+              </a:ext>
+            </a:extLst>
+          </p:cNvPr>
+          <p:cNvSpPr>
+            <a:spLocks noGrp="1" noRot="1" noChangeAspect="1" noMove="1" noResize="1" noEditPoints="1" noAdjustHandles="1" noChangeArrowheads="1" noChangeShapeType="1" noTextEdit="1"/>
+          </p:cNvSpPr>
+          <p:nvPr>
+            <p:extLst>
+              <p:ext uri="{386F3935-93C4-4BCD-93E2-E3B085C9AB24}">
+                <p16:designElem xmlns:p16="http://schemas.microsoft.com/office/powerpoint/2015/main" val="1"/>
+              </p:ext>
+            </p:extLst>
+          </p:nvPr>
+        </p:nvSpPr>
+        <p:spPr>
+          <a:xfrm>
+            <a:off x="11" y="4750737"/>
+            <a:ext cx="9141619" cy="48006"/>
+          </a:xfrm>
+          <a:prstGeom prst="rect">
+            <a:avLst/>
+          </a:prstGeom>
+          <a:solidFill>
+            <a:schemeClr val="accent1"/>
+          </a:solidFill>
+          <a:ln>
+            <a:noFill/>
+          </a:ln>
+        </p:spPr>
+        <p:style>
+          <a:lnRef idx="2">
+            <a:schemeClr val="accent1">
+              <a:shade val="50000"/>
+            </a:schemeClr>
+          </a:lnRef>
+          <a:fillRef idx="1">
+            <a:schemeClr val="accent1"/>
+          </a:fillRef>
+          <a:effectRef idx="0">
+            <a:schemeClr val="accent1"/>
+          </a:effectRef>
+          <a:fontRef idx="minor">
+            <a:schemeClr val="lt1"/>
+          </a:fontRef>
+        </p:style>
+      </p:sp>
+      <p:cxnSp>
+        <p:nvCxnSpPr>
+          <p:cNvPr id="148" name="Straight Connector 147">
+            <a:extLst>
+              <a:ext uri="{FF2B5EF4-FFF2-40B4-BE49-F238E27FC236}">
+                <a16:creationId xmlns:a16="http://schemas.microsoft.com/office/drawing/2014/main" id="{7E1D4427-852B-4B37-8E76-0E9F1810BA2A}"/>
+              </a:ext>
+              <a:ext uri="{C183D7F6-B498-43B3-948B-1728B52AA6E4}">
+                <adec:decorative xmlns:adec="http://schemas.microsoft.com/office/drawing/2017/decorative" val="1"/>
+              </a:ext>
+            </a:extLst>
+          </p:cNvPr>
+          <p:cNvCxnSpPr>
+            <a:cxnSpLocks noGrp="1" noRot="1" noChangeAspect="1" noMove="1" noResize="1" noEditPoints="1" noAdjustHandles="1" noChangeArrowheads="1" noChangeShapeType="1"/>
+          </p:cNvCxnSpPr>
+          <p:nvPr>
+            <p:extLst>
+              <p:ext uri="{386F3935-93C4-4BCD-93E2-E3B085C9AB24}">
+                <p16:designElem xmlns:p16="http://schemas.microsoft.com/office/powerpoint/2015/main" val="1"/>
+              </p:ext>
+            </p:extLst>
+          </p:nvPr>
+        </p:nvCxnSpPr>
+        <p:spPr>
+          <a:xfrm>
+            <a:off x="905743" y="3257550"/>
+            <a:ext cx="7406640" cy="0"/>
+          </a:xfrm>
+          <a:prstGeom prst="line">
+            <a:avLst/>
+          </a:prstGeom>
+          <a:ln w="6350">
+            <a:solidFill>
+              <a:schemeClr val="tx1">
+                <a:lumMod val="50000"/>
+                <a:lumOff val="50000"/>
+              </a:schemeClr>
+            </a:solidFill>
+          </a:ln>
+        </p:spPr>
+        <p:style>
+          <a:lnRef idx="1">
+            <a:schemeClr val="accent1"/>
+          </a:lnRef>
+          <a:fillRef idx="0">
+            <a:schemeClr val="accent1"/>
+          </a:fillRef>
+          <a:effectRef idx="0">
+            <a:schemeClr val="accent1"/>
+          </a:effectRef>
+          <a:fontRef idx="minor">
+            <a:schemeClr val="tx1"/>
+          </a:fontRef>
+        </p:style>
+      </p:cxnSp>
+      <p:sp useBgFill="1">
+        <p:nvSpPr>
+          <p:cNvPr id="149" name="Rectangle 148">
+            <a:extLst>
+              <a:ext uri="{FF2B5EF4-FFF2-40B4-BE49-F238E27FC236}">
+                <a16:creationId xmlns:a16="http://schemas.microsoft.com/office/drawing/2014/main" id="{FA4CD5CB-D209-4D70-8CA4-629731C59219}"/>
+              </a:ext>
+              <a:ext uri="{C183D7F6-B498-43B3-948B-1728B52AA6E4}">
+                <adec:decorative xmlns:adec="http://schemas.microsoft.com/office/drawing/2017/decorative" val="1"/>
+              </a:ext>
+            </a:extLst>
+          </p:cNvPr>
+          <p:cNvSpPr>
+            <a:spLocks noGrp="1" noRot="1" noChangeAspect="1" noMove="1" noResize="1" noEditPoints="1" noAdjustHandles="1" noChangeArrowheads="1" noChangeShapeType="1" noTextEdit="1"/>
+          </p:cNvSpPr>
+          <p:nvPr>
+            <p:extLst>
+              <p:ext uri="{386F3935-93C4-4BCD-93E2-E3B085C9AB24}">
+                <p16:designElem xmlns:p16="http://schemas.microsoft.com/office/powerpoint/2015/main" val="1"/>
+              </p:ext>
+            </p:extLst>
+          </p:nvPr>
+        </p:nvSpPr>
+        <p:spPr>
+          <a:xfrm>
+            <a:off x="0" y="0"/>
+            <a:ext cx="9144000" cy="4750737"/>
+          </a:xfrm>
+          <a:prstGeom prst="rect">
+            <a:avLst/>
+          </a:prstGeom>
+          <a:ln>
+            <a:noFill/>
+          </a:ln>
+        </p:spPr>
+        <p:style>
+          <a:lnRef idx="2">
+            <a:schemeClr val="accent1">
+              <a:shade val="50000"/>
+            </a:schemeClr>
+          </a:lnRef>
+          <a:fillRef idx="1">
+            <a:schemeClr val="accent1"/>
+          </a:fillRef>
+          <a:effectRef idx="0">
+            <a:schemeClr val="accent1"/>
+          </a:effectRef>
+          <a:fontRef idx="minor">
+            <a:schemeClr val="lt1"/>
+          </a:fontRef>
+        </p:style>
+        <p:txBody>
+          <a:bodyPr rtlCol="0" anchor="ctr"/>
+          <a:lstStyle/>
+          <a:p>
+            <a:pPr algn="ctr"/>
+            <a:endParaRPr lang="en-US"/>
+          </a:p>
+        </p:txBody>
+      </p:sp>
+      <p:sp>
+        <p:nvSpPr>
           <p:cNvPr id="105" name="Google Shape;105;p21"/>
           <p:cNvSpPr txBox="1">
             <a:spLocks noGrp="1"/>
@@ -21185,98 +21418,251 @@
         </p:nvSpPr>
         <p:spPr>
           <a:xfrm>
-            <a:off x="538150" y="0"/>
-            <a:ext cx="8520600" cy="572700"/>
+            <a:off x="6105832" y="479322"/>
+            <a:ext cx="2551471" cy="2764512"/>
           </a:xfrm>
           <a:prstGeom prst="rect">
             <a:avLst/>
           </a:prstGeom>
         </p:spPr>
         <p:txBody>
-          <a:bodyPr spcFirstLastPara="1" wrap="square" lIns="91425" tIns="91425" rIns="91425" bIns="91425" anchor="t" anchorCtr="0">
-            <a:normAutofit fontScale="90000"/>
+          <a:bodyPr spcFirstLastPara="1" vert="horz" lIns="91440" tIns="45720" rIns="91440" bIns="45720" rtlCol="0" anchor="b" anchorCtr="0">
+            <a:normAutofit/>
           </a:bodyPr>
           <a:lstStyle/>
           <a:p>
-            <a:pPr marL="0" lvl="0" indent="0" algn="l" rtl="0">
+            <a:pPr lvl="0" indent="0" defTabSz="914400">
               <a:spcBef>
-                <a:spcPts val="0"/>
+                <a:spcPct val="0"/>
               </a:spcBef>
               <a:spcAft>
                 <a:spcPts val="0"/>
               </a:spcAft>
-              <a:buNone/>
             </a:pPr>
             <a:r>
-              <a:rPr lang="en"/>
+              <a:rPr lang="en-US" sz="5000" spc="-50">
+                <a:solidFill>
+                  <a:schemeClr val="tx1">
+                    <a:lumMod val="85000"/>
+                    <a:lumOff val="15000"/>
+                  </a:schemeClr>
+                </a:solidFill>
+              </a:rPr>
               <a:t>New backend Diagram</a:t>
             </a:r>
-            <a:endParaRPr/>
-          </a:p>
-        </p:txBody>
-      </p:sp>
-      <p:sp>
-        <p:nvSpPr>
-          <p:cNvPr id="106" name="Google Shape;106;p21"/>
-          <p:cNvSpPr txBox="1">
-            <a:spLocks noGrp="1"/>
-          </p:cNvSpPr>
-          <p:nvPr>
-            <p:ph type="body" idx="1"/>
-          </p:nvPr>
-        </p:nvSpPr>
-        <p:spPr>
-          <a:prstGeom prst="rect">
-            <a:avLst/>
-          </a:prstGeom>
-        </p:spPr>
-        <p:txBody>
-          <a:bodyPr spcFirstLastPara="1" wrap="square" lIns="91425" tIns="91425" rIns="91425" bIns="91425" anchor="t" anchorCtr="0">
-            <a:normAutofit/>
-          </a:bodyPr>
-          <a:lstStyle/>
-          <a:p>
-            <a:pPr marL="0" lvl="0" indent="0" algn="l" rtl="0">
-              <a:spcBef>
-                <a:spcPts val="0"/>
-              </a:spcBef>
-              <a:spcAft>
-                <a:spcPts val="1200"/>
-              </a:spcAft>
-              <a:buNone/>
-            </a:pPr>
-            <a:endParaRPr/>
           </a:p>
         </p:txBody>
       </p:sp>
       <p:pic>
         <p:nvPicPr>
-          <p:cNvPr id="107" name="Google Shape;107;p21"/>
-          <p:cNvPicPr preferRelativeResize="0"/>
+          <p:cNvPr id="1026" name="Picture 2" descr="Diagram&#10;&#10;Description automatically generated">
+            <a:extLst>
+              <a:ext uri="{FF2B5EF4-FFF2-40B4-BE49-F238E27FC236}">
+                <a16:creationId xmlns:a16="http://schemas.microsoft.com/office/drawing/2014/main" id="{54500BC7-466E-4523-A250-3FD4B92414EA}"/>
+              </a:ext>
+            </a:extLst>
+          </p:cNvPr>
+          <p:cNvPicPr>
+            <a:picLocks noChangeAspect="1" noChangeArrowheads="1"/>
+          </p:cNvPicPr>
           <p:nvPr/>
         </p:nvPicPr>
         <p:blipFill>
           <a:blip r:embed="rId3">
-            <a:alphaModFix/>
+            <a:extLst>
+              <a:ext uri="{28A0092B-C50C-407E-A947-70E740481C1C}">
+                <a14:useLocalDpi xmlns:a14="http://schemas.microsoft.com/office/drawing/2010/main" val="0"/>
+              </a:ext>
+            </a:extLst>
           </a:blip>
           <a:stretch>
             <a:fillRect/>
           </a:stretch>
         </p:blipFill>
-        <p:spPr>
+        <p:spPr bwMode="auto">
           <a:xfrm>
-            <a:off x="538150" y="125725"/>
-            <a:ext cx="8196749" cy="4914899"/>
+            <a:off x="1224393" y="480060"/>
+            <a:ext cx="3686374" cy="3790617"/>
           </a:xfrm>
           <a:prstGeom prst="rect">
             <a:avLst/>
           </a:prstGeom>
           <a:noFill/>
+          <a:extLst>
+            <a:ext uri="{909E8E84-426E-40DD-AFC4-6F175D3DCCD1}">
+              <a14:hiddenFill xmlns:a14="http://schemas.microsoft.com/office/drawing/2010/main">
+                <a:solidFill>
+                  <a:srgbClr val="FFFFFF"/>
+                </a:solidFill>
+              </a14:hiddenFill>
+            </a:ext>
+          </a:extLst>
+        </p:spPr>
+      </p:pic>
+      <p:cxnSp>
+        <p:nvCxnSpPr>
+          <p:cNvPr id="151" name="Straight Connector 150">
+            <a:extLst>
+              <a:ext uri="{FF2B5EF4-FFF2-40B4-BE49-F238E27FC236}">
+                <a16:creationId xmlns:a16="http://schemas.microsoft.com/office/drawing/2014/main" id="{5C6A2BAE-B461-4B55-8E1F-0722ABDD1393}"/>
+              </a:ext>
+              <a:ext uri="{C183D7F6-B498-43B3-948B-1728B52AA6E4}">
+                <adec:decorative xmlns:adec="http://schemas.microsoft.com/office/drawing/2017/decorative" val="1"/>
+              </a:ext>
+            </a:extLst>
+          </p:cNvPr>
+          <p:cNvCxnSpPr>
+            <a:cxnSpLocks noGrp="1" noRot="1" noChangeAspect="1" noMove="1" noResize="1" noEditPoints="1" noAdjustHandles="1" noChangeArrowheads="1" noChangeShapeType="1"/>
+          </p:cNvCxnSpPr>
+          <p:nvPr>
+            <p:extLst>
+              <p:ext uri="{386F3935-93C4-4BCD-93E2-E3B085C9AB24}">
+                <p16:designElem xmlns:p16="http://schemas.microsoft.com/office/powerpoint/2015/main" val="1"/>
+              </p:ext>
+            </p:extLst>
+          </p:nvPr>
+        </p:nvCxnSpPr>
+        <p:spPr>
+          <a:xfrm>
+            <a:off x="6156978" y="3257550"/>
+            <a:ext cx="2400300" cy="0"/>
+          </a:xfrm>
+          <a:prstGeom prst="line">
+            <a:avLst/>
+          </a:prstGeom>
+          <a:ln w="6350">
+            <a:solidFill>
+              <a:schemeClr val="tx2">
+                <a:alpha val="90000"/>
+              </a:schemeClr>
+            </a:solidFill>
+          </a:ln>
+        </p:spPr>
+        <p:style>
+          <a:lnRef idx="1">
+            <a:schemeClr val="accent1"/>
+          </a:lnRef>
+          <a:fillRef idx="0">
+            <a:schemeClr val="accent1"/>
+          </a:fillRef>
+          <a:effectRef idx="0">
+            <a:schemeClr val="accent1"/>
+          </a:effectRef>
+          <a:fontRef idx="minor">
+            <a:schemeClr val="tx1"/>
+          </a:fontRef>
+        </p:style>
+      </p:cxnSp>
+      <p:sp>
+        <p:nvSpPr>
+          <p:cNvPr id="153" name="Rectangle 152">
+            <a:extLst>
+              <a:ext uri="{FF2B5EF4-FFF2-40B4-BE49-F238E27FC236}">
+                <a16:creationId xmlns:a16="http://schemas.microsoft.com/office/drawing/2014/main" id="{B4C27B90-DF2B-4D00-BA07-18ED774CD2F1}"/>
+              </a:ext>
+              <a:ext uri="{C183D7F6-B498-43B3-948B-1728B52AA6E4}">
+                <adec:decorative xmlns:adec="http://schemas.microsoft.com/office/drawing/2017/decorative" val="1"/>
+              </a:ext>
+            </a:extLst>
+          </p:cNvPr>
+          <p:cNvSpPr>
+            <a:spLocks noGrp="1" noRot="1" noChangeAspect="1" noMove="1" noResize="1" noEditPoints="1" noAdjustHandles="1" noChangeArrowheads="1" noChangeShapeType="1" noTextEdit="1"/>
+          </p:cNvSpPr>
+          <p:nvPr>
+            <p:extLst>
+              <p:ext uri="{386F3935-93C4-4BCD-93E2-E3B085C9AB24}">
+                <p16:designElem xmlns:p16="http://schemas.microsoft.com/office/powerpoint/2015/main" val="1"/>
+              </p:ext>
+            </p:extLst>
+          </p:nvPr>
+        </p:nvSpPr>
+        <p:spPr>
+          <a:xfrm>
+            <a:off x="11" y="4750737"/>
+            <a:ext cx="9143989" cy="49863"/>
+          </a:xfrm>
+          <a:prstGeom prst="rect">
+            <a:avLst/>
+          </a:prstGeom>
+          <a:solidFill>
+            <a:schemeClr val="accent1"/>
+          </a:solidFill>
           <a:ln>
             <a:noFill/>
           </a:ln>
         </p:spPr>
-      </p:pic>
+        <p:style>
+          <a:lnRef idx="2">
+            <a:schemeClr val="accent1">
+              <a:shade val="50000"/>
+            </a:schemeClr>
+          </a:lnRef>
+          <a:fillRef idx="1">
+            <a:schemeClr val="accent1"/>
+          </a:fillRef>
+          <a:effectRef idx="0">
+            <a:schemeClr val="accent1"/>
+          </a:effectRef>
+          <a:fontRef idx="minor">
+            <a:schemeClr val="lt1"/>
+          </a:fontRef>
+        </p:style>
+      </p:sp>
+      <p:sp>
+        <p:nvSpPr>
+          <p:cNvPr id="155" name="Rectangle 154">
+            <a:extLst>
+              <a:ext uri="{FF2B5EF4-FFF2-40B4-BE49-F238E27FC236}">
+                <a16:creationId xmlns:a16="http://schemas.microsoft.com/office/drawing/2014/main" id="{593ACC25-C262-417A-8AA9-0641C772BDB6}"/>
+              </a:ext>
+              <a:ext uri="{C183D7F6-B498-43B3-948B-1728B52AA6E4}">
+                <adec:decorative xmlns:adec="http://schemas.microsoft.com/office/drawing/2017/decorative" val="1"/>
+              </a:ext>
+            </a:extLst>
+          </p:cNvPr>
+          <p:cNvSpPr>
+            <a:spLocks noGrp="1" noRot="1" noChangeAspect="1" noMove="1" noResize="1" noEditPoints="1" noAdjustHandles="1" noChangeArrowheads="1" noChangeShapeType="1" noTextEdit="1"/>
+          </p:cNvSpPr>
+          <p:nvPr>
+            <p:extLst>
+              <p:ext uri="{386F3935-93C4-4BCD-93E2-E3B085C9AB24}">
+                <p16:designElem xmlns:p16="http://schemas.microsoft.com/office/powerpoint/2015/main" val="1"/>
+              </p:ext>
+            </p:extLst>
+          </p:nvPr>
+        </p:nvSpPr>
+        <p:spPr>
+          <a:xfrm>
+            <a:off x="0" y="4800600"/>
+            <a:ext cx="9144000" cy="342900"/>
+          </a:xfrm>
+          <a:prstGeom prst="rect">
+            <a:avLst/>
+          </a:prstGeom>
+          <a:solidFill>
+            <a:schemeClr val="accent2"/>
+          </a:solidFill>
+          <a:ln>
+            <a:noFill/>
+          </a:ln>
+        </p:spPr>
+        <p:style>
+          <a:lnRef idx="2">
+            <a:schemeClr val="accent1">
+              <a:shade val="50000"/>
+            </a:schemeClr>
+          </a:lnRef>
+          <a:fillRef idx="1">
+            <a:schemeClr val="accent1"/>
+          </a:fillRef>
+          <a:effectRef idx="0">
+            <a:schemeClr val="accent1"/>
+          </a:effectRef>
+          <a:fontRef idx="minor">
+            <a:schemeClr val="lt1"/>
+          </a:fontRef>
+        </p:style>
+      </p:sp>
     </p:spTree>
   </p:cSld>
   <p:clrMapOvr>
@@ -22308,7 +22694,7 @@
       </p:grpSpPr>
       <p:sp>
         <p:nvSpPr>
-          <p:cNvPr id="72" name="Rectangle 71">
+          <p:cNvPr id="2054" name="Rectangle 200">
             <a:extLst>
               <a:ext uri="{FF2B5EF4-FFF2-40B4-BE49-F238E27FC236}">
                 <a16:creationId xmlns:a16="http://schemas.microsoft.com/office/drawing/2014/main" id="{4E4490D0-3672-446A-AC12-B4830333BDDD}"/>
@@ -22363,7 +22749,7 @@
       </p:sp>
       <p:sp>
         <p:nvSpPr>
-          <p:cNvPr id="74" name="Rectangle 73">
+          <p:cNvPr id="2055" name="Rectangle 202">
             <a:extLst>
               <a:ext uri="{FF2B5EF4-FFF2-40B4-BE49-F238E27FC236}">
                 <a16:creationId xmlns:a16="http://schemas.microsoft.com/office/drawing/2014/main" id="{39CB82C2-DF65-4EC1-8280-F201D50F570B}"/>
@@ -22418,7 +22804,7 @@
       </p:sp>
       <p:cxnSp>
         <p:nvCxnSpPr>
-          <p:cNvPr id="76" name="Straight Connector 75">
+          <p:cNvPr id="2056" name="Straight Connector 204">
             <a:extLst>
               <a:ext uri="{FF2B5EF4-FFF2-40B4-BE49-F238E27FC236}">
                 <a16:creationId xmlns:a16="http://schemas.microsoft.com/office/drawing/2014/main" id="{7E1D4427-852B-4B37-8E76-0E9F1810BA2A}"/>
@@ -22473,7 +22859,7 @@
       </p:cxnSp>
       <p:sp useBgFill="1">
         <p:nvSpPr>
-          <p:cNvPr id="78" name="Rectangle 77">
+          <p:cNvPr id="2057" name="Rectangle 206">
             <a:extLst>
               <a:ext uri="{FF2B5EF4-FFF2-40B4-BE49-F238E27FC236}">
                 <a16:creationId xmlns:a16="http://schemas.microsoft.com/office/drawing/2014/main" id="{FA4CD5CB-D209-4D70-8CA4-629731C59219}"/>
@@ -22543,8 +22929,8 @@
         </p:nvSpPr>
         <p:spPr>
           <a:xfrm>
-            <a:off x="6105832" y="479322"/>
-            <a:ext cx="2551471" cy="2764512"/>
+            <a:off x="6389611" y="292697"/>
+            <a:ext cx="2551471" cy="1178970"/>
           </a:xfrm>
           <a:prstGeom prst="rect">
             <a:avLst/>
@@ -22552,7 +22938,7 @@
         </p:spPr>
         <p:txBody>
           <a:bodyPr spcFirstLastPara="1" vert="horz" lIns="91440" tIns="45720" rIns="91440" bIns="45720" rtlCol="0" anchor="b" anchorCtr="0">
-            <a:normAutofit/>
+            <a:normAutofit fontScale="90000"/>
           </a:bodyPr>
           <a:lstStyle/>
           <a:p>
@@ -22565,7 +22951,7 @@
               </a:spcAft>
             </a:pPr>
             <a:r>
-              <a:rPr lang="en-US" sz="5000" spc="-50">
+              <a:rPr lang="en-US" sz="5000" spc="-50" dirty="0">
                 <a:solidFill>
                   <a:schemeClr val="tx1">
                     <a:lumMod val="85000"/>
@@ -22580,30 +22966,53 @@
       </p:sp>
       <p:pic>
         <p:nvPicPr>
-          <p:cNvPr id="131" name="Google Shape;131;p25"/>
-          <p:cNvPicPr preferRelativeResize="0"/>
+          <p:cNvPr id="2052" name="Picture 4">
+            <a:extLst>
+              <a:ext uri="{FF2B5EF4-FFF2-40B4-BE49-F238E27FC236}">
+                <a16:creationId xmlns:a16="http://schemas.microsoft.com/office/drawing/2014/main" id="{88D74818-2FFC-4AB8-99ED-F51191997689}"/>
+              </a:ext>
+            </a:extLst>
+          </p:cNvPr>
+          <p:cNvPicPr>
+            <a:picLocks noChangeAspect="1" noChangeArrowheads="1"/>
+          </p:cNvPicPr>
           <p:nvPr/>
         </p:nvPicPr>
         <p:blipFill>
-          <a:blip r:embed="rId3"/>
+          <a:blip r:embed="rId3">
+            <a:extLst>
+              <a:ext uri="{28A0092B-C50C-407E-A947-70E740481C1C}">
+                <a14:useLocalDpi xmlns:a14="http://schemas.microsoft.com/office/drawing/2010/main" val="0"/>
+              </a:ext>
+            </a:extLst>
+          </a:blip>
           <a:stretch>
             <a:fillRect/>
           </a:stretch>
         </p:blipFill>
-        <p:spPr>
+        <p:spPr bwMode="auto">
           <a:xfrm>
-            <a:off x="883855" y="480060"/>
-            <a:ext cx="4367450" cy="3790617"/>
+            <a:off x="475499" y="1471667"/>
+            <a:ext cx="8191236" cy="3227350"/>
           </a:xfrm>
           <a:prstGeom prst="rect">
             <a:avLst/>
           </a:prstGeom>
           <a:noFill/>
+          <a:extLst>
+            <a:ext uri="{909E8E84-426E-40DD-AFC4-6F175D3DCCD1}">
+              <a14:hiddenFill xmlns:a14="http://schemas.microsoft.com/office/drawing/2010/main">
+                <a:solidFill>
+                  <a:srgbClr val="FFFFFF"/>
+                </a:solidFill>
+              </a14:hiddenFill>
+            </a:ext>
+          </a:extLst>
         </p:spPr>
       </p:pic>
       <p:cxnSp>
         <p:nvCxnSpPr>
-          <p:cNvPr id="80" name="Straight Connector 79">
+          <p:cNvPr id="2058" name="Straight Connector 208">
             <a:extLst>
               <a:ext uri="{FF2B5EF4-FFF2-40B4-BE49-F238E27FC236}">
                 <a16:creationId xmlns:a16="http://schemas.microsoft.com/office/drawing/2014/main" id="{5C6A2BAE-B461-4B55-8E1F-0722ABDD1393}"/>
@@ -22657,7 +23066,7 @@
       </p:cxnSp>
       <p:sp>
         <p:nvSpPr>
-          <p:cNvPr id="82" name="Rectangle 81">
+          <p:cNvPr id="2059" name="Rectangle 210">
             <a:extLst>
               <a:ext uri="{FF2B5EF4-FFF2-40B4-BE49-F238E27FC236}">
                 <a16:creationId xmlns:a16="http://schemas.microsoft.com/office/drawing/2014/main" id="{B4C27B90-DF2B-4D00-BA07-18ED774CD2F1}"/>
@@ -22712,7 +23121,7 @@
       </p:sp>
       <p:sp>
         <p:nvSpPr>
-          <p:cNvPr id="84" name="Rectangle 83">
+          <p:cNvPr id="2060" name="Rectangle 212">
             <a:extLst>
               <a:ext uri="{FF2B5EF4-FFF2-40B4-BE49-F238E27FC236}">
                 <a16:creationId xmlns:a16="http://schemas.microsoft.com/office/drawing/2014/main" id="{593ACC25-C262-417A-8AA9-0641C772BDB6}"/>
@@ -28024,7 +28433,7 @@
         </p:spPr>
         <p:txBody>
           <a:bodyPr spcFirstLastPara="1" vert="horz" lIns="0" tIns="45720" rIns="0" bIns="45720" rtlCol="0" anchorCtr="0">
-            <a:normAutofit/>
+            <a:normAutofit fontScale="92500" lnSpcReduction="10000"/>
           </a:bodyPr>
           <a:lstStyle/>
           <a:p>
@@ -28041,93 +28450,299 @@
             <a:endParaRPr lang="en-US" dirty="0"/>
           </a:p>
           <a:p>
-            <a:pPr marL="0" lvl="0" indent="0" defTabSz="914400">
+            <a:pPr rtl="0">
               <a:spcBef>
                 <a:spcPts val="0"/>
               </a:spcBef>
               <a:spcAft>
-                <a:spcPts val="0"/>
+                <a:spcPts val="1200"/>
               </a:spcAft>
-              <a:buFont typeface="Calibri" panose="020F0502020204030204" pitchFamily="34" charset="0"/>
-              <a:buNone/>
             </a:pPr>
-            <a:endParaRPr lang="en-US" dirty="0"/>
+            <a:r>
+              <a:rPr lang="en-US" sz="1800" b="0" i="0" u="none" strike="noStrike" dirty="0">
+                <a:solidFill>
+                  <a:srgbClr val="595959"/>
+                </a:solidFill>
+                <a:effectLst/>
+                <a:latin typeface="Arial" panose="020B0604020202020204" pitchFamily="34" charset="0"/>
+              </a:rPr>
+              <a:t>Query class has been created to handle query search and mostly replaces the AI class. </a:t>
+            </a:r>
+            <a:endParaRPr lang="en-US" b="0" dirty="0">
+              <a:effectLst/>
+            </a:endParaRPr>
           </a:p>
           <a:p>
-            <a:pPr marL="0" lvl="0" indent="0" defTabSz="914400">
+            <a:pPr rtl="0">
               <a:spcBef>
                 <a:spcPts val="0"/>
               </a:spcBef>
               <a:spcAft>
-                <a:spcPts val="0"/>
+                <a:spcPts val="1200"/>
               </a:spcAft>
-              <a:buFont typeface="Calibri" panose="020F0502020204030204" pitchFamily="34" charset="0"/>
-              <a:buNone/>
             </a:pPr>
             <a:r>
-              <a:rPr lang="en-US" sz="1800" dirty="0"/>
-              <a:t>Query class has been created to handle query search and mostly replaces the AI class. </a:t>
-            </a:r>
-          </a:p>
-          <a:p>
-            <a:pPr marL="0" lvl="0" indent="0" defTabSz="914400">
-              <a:spcBef>
-                <a:spcPts val="1200"/>
-              </a:spcBef>
-              <a:spcAft>
-                <a:spcPts val="0"/>
-              </a:spcAft>
-              <a:buFont typeface="Calibri" panose="020F0502020204030204" pitchFamily="34" charset="0"/>
-              <a:buNone/>
-            </a:pPr>
-            <a:r>
-              <a:rPr lang="en-US" sz="1800" dirty="0" err="1"/>
+              <a:rPr lang="en-US" sz="1800" b="0" i="0" u="none" strike="noStrike" dirty="0" err="1">
+                <a:solidFill>
+                  <a:srgbClr val="595959"/>
+                </a:solidFill>
+                <a:effectLst/>
+                <a:latin typeface="Arial" panose="020B0604020202020204" pitchFamily="34" charset="0"/>
+              </a:rPr>
               <a:t>allInputEmpty</a:t>
             </a:r>
             <a:r>
-              <a:rPr lang="en-US" sz="1800" dirty="0"/>
+              <a:rPr lang="en-US" sz="1800" b="0" i="0" u="none" strike="noStrike" dirty="0">
+                <a:solidFill>
+                  <a:srgbClr val="595959"/>
+                </a:solidFill>
+                <a:effectLst/>
+                <a:latin typeface="Arial" panose="020B0604020202020204" pitchFamily="34" charset="0"/>
+              </a:rPr>
               <a:t>() has been removed from the </a:t>
             </a:r>
             <a:r>
-              <a:rPr lang="en-US" sz="1800" dirty="0" err="1"/>
+              <a:rPr lang="en-US" sz="1800" b="0" i="0" u="none" strike="noStrike" dirty="0" err="1">
+                <a:solidFill>
+                  <a:srgbClr val="595959"/>
+                </a:solidFill>
+                <a:effectLst/>
+                <a:latin typeface="Arial" panose="020B0604020202020204" pitchFamily="34" charset="0"/>
+              </a:rPr>
               <a:t>ErrorHandling</a:t>
             </a:r>
             <a:r>
-              <a:rPr lang="en-US" sz="1800" dirty="0"/>
+              <a:rPr lang="en-US" sz="1800" b="0" i="0" u="none" strike="noStrike" dirty="0">
+                <a:solidFill>
+                  <a:srgbClr val="595959"/>
+                </a:solidFill>
+                <a:effectLst/>
+                <a:latin typeface="Arial" panose="020B0604020202020204" pitchFamily="34" charset="0"/>
+              </a:rPr>
               <a:t> class.</a:t>
             </a:r>
+            <a:endParaRPr lang="en-US" b="0" dirty="0">
+              <a:effectLst/>
+            </a:endParaRPr>
           </a:p>
           <a:p>
-            <a:pPr marL="0" lvl="0" indent="0" defTabSz="914400">
+            <a:pPr rtl="0">
               <a:spcBef>
-                <a:spcPts val="1200"/>
+                <a:spcPts val="0"/>
               </a:spcBef>
               <a:spcAft>
                 <a:spcPts val="1200"/>
               </a:spcAft>
-              <a:buFont typeface="Calibri" panose="020F0502020204030204" pitchFamily="34" charset="0"/>
-              <a:buNone/>
             </a:pPr>
             <a:r>
-              <a:rPr lang="en-US" sz="1800" dirty="0"/>
-              <a:t> An </a:t>
+              <a:rPr lang="en-US" sz="1800" b="0" i="0" u="none" strike="noStrike" dirty="0">
+                <a:solidFill>
+                  <a:srgbClr val="595959"/>
+                </a:solidFill>
+                <a:effectLst/>
+                <a:latin typeface="Arial" panose="020B0604020202020204" pitchFamily="34" charset="0"/>
+              </a:rPr>
+              <a:t> An </a:t>
             </a:r>
             <a:r>
-              <a:rPr lang="en-US" sz="1800" dirty="0" err="1"/>
+              <a:rPr lang="en-US" sz="1800" b="0" i="0" u="none" strike="noStrike" dirty="0" err="1">
+                <a:solidFill>
+                  <a:srgbClr val="595959"/>
+                </a:solidFill>
+                <a:effectLst/>
+                <a:latin typeface="Arial" panose="020B0604020202020204" pitchFamily="34" charset="0"/>
+              </a:rPr>
               <a:t>addMovie</a:t>
             </a:r>
             <a:r>
-              <a:rPr lang="en-US" sz="1800" dirty="0"/>
+              <a:rPr lang="en-US" sz="1800" b="0" i="0" u="none" strike="noStrike" dirty="0">
+                <a:solidFill>
+                  <a:srgbClr val="595959"/>
+                </a:solidFill>
+                <a:effectLst/>
+                <a:latin typeface="Arial" panose="020B0604020202020204" pitchFamily="34" charset="0"/>
+              </a:rPr>
               <a:t>() method has been added to the </a:t>
             </a:r>
             <a:r>
-              <a:rPr lang="en-US" sz="1800" dirty="0" err="1"/>
+              <a:rPr lang="en-US" sz="1800" b="0" i="0" u="none" strike="noStrike" dirty="0" err="1">
+                <a:solidFill>
+                  <a:srgbClr val="595959"/>
+                </a:solidFill>
+                <a:effectLst/>
+                <a:latin typeface="Arial" panose="020B0604020202020204" pitchFamily="34" charset="0"/>
+              </a:rPr>
               <a:t>MovieList</a:t>
             </a:r>
             <a:r>
-              <a:rPr lang="en-US" sz="1800" dirty="0"/>
+              <a:rPr lang="en-US" sz="1800" b="0" i="0" u="none" strike="noStrike" dirty="0">
+                <a:solidFill>
+                  <a:srgbClr val="595959"/>
+                </a:solidFill>
+                <a:effectLst/>
+                <a:latin typeface="Arial" panose="020B0604020202020204" pitchFamily="34" charset="0"/>
+              </a:rPr>
               <a:t> class.</a:t>
             </a:r>
+            <a:endParaRPr lang="en-US" b="0" dirty="0">
+              <a:effectLst/>
+            </a:endParaRPr>
+          </a:p>
+          <a:p>
+            <a:pPr rtl="0">
+              <a:spcBef>
+                <a:spcPts val="0"/>
+              </a:spcBef>
+              <a:spcAft>
+                <a:spcPts val="1200"/>
+              </a:spcAft>
+            </a:pPr>
+            <a:r>
+              <a:rPr lang="en-US" sz="1800" b="0" i="0" u="none" strike="noStrike" dirty="0" err="1">
+                <a:solidFill>
+                  <a:srgbClr val="595959"/>
+                </a:solidFill>
+                <a:effectLst/>
+                <a:latin typeface="Arial" panose="020B0604020202020204" pitchFamily="34" charset="0"/>
+              </a:rPr>
+              <a:t>DirectorQuery</a:t>
+            </a:r>
+            <a:r>
+              <a:rPr lang="en-US" sz="1800" b="0" i="0" u="none" strike="noStrike" dirty="0">
+                <a:solidFill>
+                  <a:srgbClr val="595959"/>
+                </a:solidFill>
+                <a:effectLst/>
+                <a:latin typeface="Arial" panose="020B0604020202020204" pitchFamily="34" charset="0"/>
+              </a:rPr>
+              <a:t>(), </a:t>
+            </a:r>
+            <a:r>
+              <a:rPr lang="en-US" sz="1800" b="0" i="0" u="none" strike="noStrike" dirty="0" err="1">
+                <a:solidFill>
+                  <a:srgbClr val="595959"/>
+                </a:solidFill>
+                <a:effectLst/>
+                <a:latin typeface="Arial" panose="020B0604020202020204" pitchFamily="34" charset="0"/>
+              </a:rPr>
+              <a:t>ActorQuery</a:t>
+            </a:r>
+            <a:r>
+              <a:rPr lang="en-US" sz="1800" b="0" i="0" u="none" strike="noStrike" dirty="0">
+                <a:solidFill>
+                  <a:srgbClr val="595959"/>
+                </a:solidFill>
+                <a:effectLst/>
+                <a:latin typeface="Arial" panose="020B0604020202020204" pitchFamily="34" charset="0"/>
+              </a:rPr>
+              <a:t>(), </a:t>
+            </a:r>
+            <a:r>
+              <a:rPr lang="en-US" sz="1800" b="0" i="0" u="none" strike="noStrike" dirty="0" err="1">
+                <a:solidFill>
+                  <a:srgbClr val="595959"/>
+                </a:solidFill>
+                <a:effectLst/>
+                <a:latin typeface="Arial" panose="020B0604020202020204" pitchFamily="34" charset="0"/>
+              </a:rPr>
+              <a:t>TitleQuery</a:t>
+            </a:r>
+            <a:r>
+              <a:rPr lang="en-US" sz="1800" b="0" i="0" u="none" strike="noStrike" dirty="0">
+                <a:solidFill>
+                  <a:srgbClr val="595959"/>
+                </a:solidFill>
+                <a:effectLst/>
+                <a:latin typeface="Arial" panose="020B0604020202020204" pitchFamily="34" charset="0"/>
+              </a:rPr>
+              <a:t>(), </a:t>
+            </a:r>
+            <a:r>
+              <a:rPr lang="en-US" sz="1800" b="0" i="0" u="none" strike="noStrike" dirty="0" err="1">
+                <a:solidFill>
+                  <a:srgbClr val="595959"/>
+                </a:solidFill>
+                <a:effectLst/>
+                <a:latin typeface="Arial" panose="020B0604020202020204" pitchFamily="34" charset="0"/>
+              </a:rPr>
+              <a:t>YearQuery</a:t>
+            </a:r>
+            <a:r>
+              <a:rPr lang="en-US" sz="1800" b="0" i="0" u="none" strike="noStrike" dirty="0">
+                <a:solidFill>
+                  <a:srgbClr val="595959"/>
+                </a:solidFill>
+                <a:effectLst/>
+                <a:latin typeface="Arial" panose="020B0604020202020204" pitchFamily="34" charset="0"/>
+              </a:rPr>
+              <a:t>(), </a:t>
+            </a:r>
+            <a:r>
+              <a:rPr lang="en-US" sz="1800" b="0" i="0" u="none" strike="noStrike" dirty="0" err="1">
+                <a:solidFill>
+                  <a:srgbClr val="595959"/>
+                </a:solidFill>
+                <a:effectLst/>
+                <a:latin typeface="Arial" panose="020B0604020202020204" pitchFamily="34" charset="0"/>
+              </a:rPr>
+              <a:t>GenreQuery</a:t>
+            </a:r>
+            <a:r>
+              <a:rPr lang="en-US" sz="1800" b="0" i="0" u="none" strike="noStrike" dirty="0">
+                <a:solidFill>
+                  <a:srgbClr val="595959"/>
+                </a:solidFill>
+                <a:effectLst/>
+                <a:latin typeface="Arial" panose="020B0604020202020204" pitchFamily="34" charset="0"/>
+              </a:rPr>
+              <a:t>(), </a:t>
+            </a:r>
+            <a:r>
+              <a:rPr lang="en-US" sz="1800" b="0" i="0" u="none" strike="noStrike" dirty="0" err="1">
+                <a:solidFill>
+                  <a:srgbClr val="595959"/>
+                </a:solidFill>
+                <a:effectLst/>
+                <a:latin typeface="Arial" panose="020B0604020202020204" pitchFamily="34" charset="0"/>
+              </a:rPr>
+              <a:t>GetGenreIds</a:t>
+            </a:r>
+            <a:r>
+              <a:rPr lang="en-US" sz="1800" b="0" i="0" u="none" strike="noStrike" dirty="0">
+                <a:solidFill>
+                  <a:srgbClr val="595959"/>
+                </a:solidFill>
+                <a:effectLst/>
+                <a:latin typeface="Arial" panose="020B0604020202020204" pitchFamily="34" charset="0"/>
+              </a:rPr>
+              <a:t>(), </a:t>
+            </a:r>
+            <a:r>
+              <a:rPr lang="en-US" sz="1800" b="0" i="0" u="none" strike="noStrike" dirty="0" err="1">
+                <a:solidFill>
+                  <a:srgbClr val="595959"/>
+                </a:solidFill>
+                <a:effectLst/>
+                <a:latin typeface="Arial" panose="020B0604020202020204" pitchFamily="34" charset="0"/>
+              </a:rPr>
+              <a:t>FormMovieIdQuery</a:t>
+            </a:r>
+            <a:r>
+              <a:rPr lang="en-US" sz="1800" b="0" i="0" u="none" strike="noStrike" dirty="0">
+                <a:solidFill>
+                  <a:srgbClr val="595959"/>
+                </a:solidFill>
+                <a:effectLst/>
+                <a:latin typeface="Arial" panose="020B0604020202020204" pitchFamily="34" charset="0"/>
+              </a:rPr>
+              <a:t>() have been</a:t>
+            </a:r>
+            <a:endParaRPr lang="en-US" b="0" dirty="0">
+              <a:effectLst/>
+            </a:endParaRPr>
+          </a:p>
+          <a:p>
+            <a:endParaRPr lang="en-US" sz="1800" dirty="0"/>
           </a:p>
         </p:txBody>
       </p:sp>
